--- a/11_NetworkBasics_2025_2P.pptx
+++ b/11_NetworkBasics_2025_2P.pptx
@@ -30895,10 +30895,10 @@
       </p:sp>
       <p:sp>
         <p:nvSpPr>
-          <p:cNvPr id="2" name="TextBox 1">
+          <p:cNvPr id="3" name="TextBox 1">
             <a:extLst>
               <a:ext uri="{FF2B5EF4-FFF2-40B4-BE49-F238E27FC236}">
-                <a16:creationId xmlns:a16="http://schemas.microsoft.com/office/drawing/2014/main" id="{9835D059-6C30-F5A9-DA99-EDC181D9FED8}"/>
+                <a16:creationId xmlns:a16="http://schemas.microsoft.com/office/drawing/2014/main" id="{50410F85-8A6A-08D6-F54D-BAFA02DB2BC8}"/>
               </a:ext>
             </a:extLst>
           </p:cNvPr>
@@ -30907,7 +30907,7 @@
         </p:nvSpPr>
         <p:spPr>
           <a:xfrm>
-            <a:off x="746911" y="4753090"/>
+            <a:off x="764310" y="4733539"/>
             <a:ext cx="5300804" cy="276999"/>
           </a:xfrm>
           <a:prstGeom prst="rect">
@@ -30919,7 +30919,236 @@
           <a:bodyPr wrap="square">
             <a:spAutoFit/>
           </a:bodyPr>
-          <a:lstStyle/>
+          <a:lstStyle>
+            <a:defPPr marR="0" lvl="0" algn="l" rtl="0">
+              <a:lnSpc>
+                <a:spcPct val="100000"/>
+              </a:lnSpc>
+              <a:spcBef>
+                <a:spcPts val="0"/>
+              </a:spcBef>
+              <a:spcAft>
+                <a:spcPts val="0"/>
+              </a:spcAft>
+              <a:defRPr/>
+            </a:defPPr>
+            <a:lvl1pPr marR="0" lvl="0" algn="l" rtl="0">
+              <a:lnSpc>
+                <a:spcPct val="100000"/>
+              </a:lnSpc>
+              <a:spcBef>
+                <a:spcPts val="0"/>
+              </a:spcBef>
+              <a:spcAft>
+                <a:spcPts val="0"/>
+              </a:spcAft>
+              <a:buClr>
+                <a:srgbClr val="000000"/>
+              </a:buClr>
+              <a:buFont typeface="Arial"/>
+              <a:defRPr sz="1400" b="0" i="0" u="none" strike="noStrike" cap="none">
+                <a:solidFill>
+                  <a:srgbClr val="000000"/>
+                </a:solidFill>
+                <a:latin typeface="Arial"/>
+                <a:ea typeface="Arial"/>
+                <a:cs typeface="Arial"/>
+                <a:sym typeface="Arial"/>
+              </a:defRPr>
+            </a:lvl1pPr>
+            <a:lvl2pPr marR="0" lvl="1" algn="l" rtl="0">
+              <a:lnSpc>
+                <a:spcPct val="100000"/>
+              </a:lnSpc>
+              <a:spcBef>
+                <a:spcPts val="0"/>
+              </a:spcBef>
+              <a:spcAft>
+                <a:spcPts val="0"/>
+              </a:spcAft>
+              <a:buClr>
+                <a:srgbClr val="000000"/>
+              </a:buClr>
+              <a:buFont typeface="Arial"/>
+              <a:defRPr sz="1400" b="0" i="0" u="none" strike="noStrike" cap="none">
+                <a:solidFill>
+                  <a:srgbClr val="000000"/>
+                </a:solidFill>
+                <a:latin typeface="Arial"/>
+                <a:ea typeface="Arial"/>
+                <a:cs typeface="Arial"/>
+                <a:sym typeface="Arial"/>
+              </a:defRPr>
+            </a:lvl2pPr>
+            <a:lvl3pPr marR="0" lvl="2" algn="l" rtl="0">
+              <a:lnSpc>
+                <a:spcPct val="100000"/>
+              </a:lnSpc>
+              <a:spcBef>
+                <a:spcPts val="0"/>
+              </a:spcBef>
+              <a:spcAft>
+                <a:spcPts val="0"/>
+              </a:spcAft>
+              <a:buClr>
+                <a:srgbClr val="000000"/>
+              </a:buClr>
+              <a:buFont typeface="Arial"/>
+              <a:defRPr sz="1400" b="0" i="0" u="none" strike="noStrike" cap="none">
+                <a:solidFill>
+                  <a:srgbClr val="000000"/>
+                </a:solidFill>
+                <a:latin typeface="Arial"/>
+                <a:ea typeface="Arial"/>
+                <a:cs typeface="Arial"/>
+                <a:sym typeface="Arial"/>
+              </a:defRPr>
+            </a:lvl3pPr>
+            <a:lvl4pPr marR="0" lvl="3" algn="l" rtl="0">
+              <a:lnSpc>
+                <a:spcPct val="100000"/>
+              </a:lnSpc>
+              <a:spcBef>
+                <a:spcPts val="0"/>
+              </a:spcBef>
+              <a:spcAft>
+                <a:spcPts val="0"/>
+              </a:spcAft>
+              <a:buClr>
+                <a:srgbClr val="000000"/>
+              </a:buClr>
+              <a:buFont typeface="Arial"/>
+              <a:defRPr sz="1400" b="0" i="0" u="none" strike="noStrike" cap="none">
+                <a:solidFill>
+                  <a:srgbClr val="000000"/>
+                </a:solidFill>
+                <a:latin typeface="Arial"/>
+                <a:ea typeface="Arial"/>
+                <a:cs typeface="Arial"/>
+                <a:sym typeface="Arial"/>
+              </a:defRPr>
+            </a:lvl4pPr>
+            <a:lvl5pPr marR="0" lvl="4" algn="l" rtl="0">
+              <a:lnSpc>
+                <a:spcPct val="100000"/>
+              </a:lnSpc>
+              <a:spcBef>
+                <a:spcPts val="0"/>
+              </a:spcBef>
+              <a:spcAft>
+                <a:spcPts val="0"/>
+              </a:spcAft>
+              <a:buClr>
+                <a:srgbClr val="000000"/>
+              </a:buClr>
+              <a:buFont typeface="Arial"/>
+              <a:defRPr sz="1400" b="0" i="0" u="none" strike="noStrike" cap="none">
+                <a:solidFill>
+                  <a:srgbClr val="000000"/>
+                </a:solidFill>
+                <a:latin typeface="Arial"/>
+                <a:ea typeface="Arial"/>
+                <a:cs typeface="Arial"/>
+                <a:sym typeface="Arial"/>
+              </a:defRPr>
+            </a:lvl5pPr>
+            <a:lvl6pPr marR="0" lvl="5" algn="l" rtl="0">
+              <a:lnSpc>
+                <a:spcPct val="100000"/>
+              </a:lnSpc>
+              <a:spcBef>
+                <a:spcPts val="0"/>
+              </a:spcBef>
+              <a:spcAft>
+                <a:spcPts val="0"/>
+              </a:spcAft>
+              <a:buClr>
+                <a:srgbClr val="000000"/>
+              </a:buClr>
+              <a:buFont typeface="Arial"/>
+              <a:defRPr sz="1400" b="0" i="0" u="none" strike="noStrike" cap="none">
+                <a:solidFill>
+                  <a:srgbClr val="000000"/>
+                </a:solidFill>
+                <a:latin typeface="Arial"/>
+                <a:ea typeface="Arial"/>
+                <a:cs typeface="Arial"/>
+                <a:sym typeface="Arial"/>
+              </a:defRPr>
+            </a:lvl6pPr>
+            <a:lvl7pPr marR="0" lvl="6" algn="l" rtl="0">
+              <a:lnSpc>
+                <a:spcPct val="100000"/>
+              </a:lnSpc>
+              <a:spcBef>
+                <a:spcPts val="0"/>
+              </a:spcBef>
+              <a:spcAft>
+                <a:spcPts val="0"/>
+              </a:spcAft>
+              <a:buClr>
+                <a:srgbClr val="000000"/>
+              </a:buClr>
+              <a:buFont typeface="Arial"/>
+              <a:defRPr sz="1400" b="0" i="0" u="none" strike="noStrike" cap="none">
+                <a:solidFill>
+                  <a:srgbClr val="000000"/>
+                </a:solidFill>
+                <a:latin typeface="Arial"/>
+                <a:ea typeface="Arial"/>
+                <a:cs typeface="Arial"/>
+                <a:sym typeface="Arial"/>
+              </a:defRPr>
+            </a:lvl7pPr>
+            <a:lvl8pPr marR="0" lvl="7" algn="l" rtl="0">
+              <a:lnSpc>
+                <a:spcPct val="100000"/>
+              </a:lnSpc>
+              <a:spcBef>
+                <a:spcPts val="0"/>
+              </a:spcBef>
+              <a:spcAft>
+                <a:spcPts val="0"/>
+              </a:spcAft>
+              <a:buClr>
+                <a:srgbClr val="000000"/>
+              </a:buClr>
+              <a:buFont typeface="Arial"/>
+              <a:defRPr sz="1400" b="0" i="0" u="none" strike="noStrike" cap="none">
+                <a:solidFill>
+                  <a:srgbClr val="000000"/>
+                </a:solidFill>
+                <a:latin typeface="Arial"/>
+                <a:ea typeface="Arial"/>
+                <a:cs typeface="Arial"/>
+                <a:sym typeface="Arial"/>
+              </a:defRPr>
+            </a:lvl8pPr>
+            <a:lvl9pPr marR="0" lvl="8" algn="l" rtl="0">
+              <a:lnSpc>
+                <a:spcPct val="100000"/>
+              </a:lnSpc>
+              <a:spcBef>
+                <a:spcPts val="0"/>
+              </a:spcBef>
+              <a:spcAft>
+                <a:spcPts val="0"/>
+              </a:spcAft>
+              <a:buClr>
+                <a:srgbClr val="000000"/>
+              </a:buClr>
+              <a:buFont typeface="Arial"/>
+              <a:defRPr sz="1400" b="0" i="0" u="none" strike="noStrike" cap="none">
+                <a:solidFill>
+                  <a:srgbClr val="000000"/>
+                </a:solidFill>
+                <a:latin typeface="Arial"/>
+                <a:ea typeface="Arial"/>
+                <a:cs typeface="Arial"/>
+                <a:sym typeface="Arial"/>
+              </a:defRPr>
+            </a:lvl9pPr>
+          </a:lstStyle>
           <a:p>
             <a:pPr algn="l"/>
             <a:r>
@@ -30959,7 +31188,7 @@
                   <a:schemeClr val="tx1"/>
                 </a:solidFill>
               </a:rPr>
-              <a:t>marikotagawa@mail.com</a:t>
+              <a:t>marikotagawa@gmail.com</a:t>
             </a:r>
             <a:r>
               <a:rPr lang="en-US" sz="1200" dirty="0">
@@ -48109,6 +48338,87 @@
           </p:txBody>
         </p:sp>
       </p:grpSp>
+      <p:sp>
+        <p:nvSpPr>
+          <p:cNvPr id="6" name="Rounded Rectangular Callout 5">
+            <a:extLst>
+              <a:ext uri="{FF2B5EF4-FFF2-40B4-BE49-F238E27FC236}">
+                <a16:creationId xmlns:a16="http://schemas.microsoft.com/office/drawing/2014/main" id="{21831E22-24BA-0967-B766-2F711F3D6020}"/>
+              </a:ext>
+            </a:extLst>
+          </p:cNvPr>
+          <p:cNvSpPr/>
+          <p:nvPr/>
+        </p:nvSpPr>
+        <p:spPr>
+          <a:xfrm>
+            <a:off x="6092042" y="3455719"/>
+            <a:ext cx="2838202" cy="1140032"/>
+          </a:xfrm>
+          <a:prstGeom prst="wedgeRoundRectCallout">
+            <a:avLst>
+              <a:gd name="adj1" fmla="val -85666"/>
+              <a:gd name="adj2" fmla="val -41077"/>
+              <a:gd name="adj3" fmla="val 16667"/>
+            </a:avLst>
+          </a:prstGeom>
+          <a:solidFill>
+            <a:schemeClr val="accent1"/>
+          </a:solidFill>
+          <a:ln>
+            <a:solidFill>
+              <a:schemeClr val="accent1"/>
+            </a:solidFill>
+          </a:ln>
+        </p:spPr>
+        <p:style>
+          <a:lnRef idx="2">
+            <a:schemeClr val="accent1">
+              <a:shade val="15000"/>
+            </a:schemeClr>
+          </a:lnRef>
+          <a:fillRef idx="1">
+            <a:schemeClr val="accent1"/>
+          </a:fillRef>
+          <a:effectRef idx="0">
+            <a:schemeClr val="accent1"/>
+          </a:effectRef>
+          <a:fontRef idx="minor">
+            <a:schemeClr val="lt1"/>
+          </a:fontRef>
+        </p:style>
+        <p:txBody>
+          <a:bodyPr rtlCol="0" anchor="ctr"/>
+          <a:lstStyle/>
+          <a:p>
+            <a:pPr algn="ctr"/>
+            <a:r>
+              <a:rPr lang="en-US" sz="1800" i="0" dirty="0">
+                <a:solidFill>
+                  <a:schemeClr val="bg2"/>
+                </a:solidFill>
+                <a:effectLst/>
+                <a:latin typeface="+mn-lt"/>
+                <a:hlinkClick r:id="rId4">
+                  <a:extLst>
+                    <a:ext uri="{A12FA001-AC4F-418D-AE19-62706E023703}">
+                      <ahyp:hlinkClr xmlns:ahyp="http://schemas.microsoft.com/office/drawing/2018/hyperlinkcolor" val="tx"/>
+                    </a:ext>
+                  </a:extLst>
+                </a:hlinkClick>
+              </a:rPr>
+              <a:t>Module 10: IPv6 Addressing Formats and Rules </a:t>
+            </a:r>
+            <a:endParaRPr lang="en-US" sz="1800" i="0" dirty="0">
+              <a:solidFill>
+                <a:schemeClr val="bg2"/>
+              </a:solidFill>
+              <a:effectLst/>
+              <a:latin typeface="+mn-lt"/>
+            </a:endParaRPr>
+          </a:p>
+        </p:txBody>
+      </p:sp>
     </p:spTree>
     <p:extLst>
       <p:ext uri="{BB962C8B-B14F-4D97-AF65-F5344CB8AC3E}">
